--- a/trunk/Dokumen/Proposal/PPT E-PROCUREMENT SIM.pptx
+++ b/trunk/Dokumen/Proposal/PPT E-PROCUREMENT SIM.pptx
@@ -15,9 +15,9 @@
     <p:sldId id="263" r:id="rId9"/>
     <p:sldId id="264" r:id="rId10"/>
     <p:sldId id="265" r:id="rId11"/>
-    <p:sldId id="266" r:id="rId12"/>
-    <p:sldId id="267" r:id="rId13"/>
-    <p:sldId id="268" r:id="rId14"/>
+    <p:sldId id="268" r:id="rId12"/>
+    <p:sldId id="266" r:id="rId13"/>
+    <p:sldId id="267" r:id="rId14"/>
     <p:sldId id="269" r:id="rId15"/>
     <p:sldId id="270" r:id="rId16"/>
     <p:sldId id="271" r:id="rId17"/>
@@ -295,6 +295,7 @@
           <a:p>
             <a:fld id="{F366FE5F-07E3-48BC-9DF9-A19F609260EA}" type="datetimeFigureOut">
               <a:rPr lang="en-US" smtClean="0"/>
+              <a:pPr/>
               <a:t>9/22/2011</a:t>
             </a:fld>
             <a:endParaRPr lang="en-US"/>
@@ -337,6 +338,7 @@
           <a:p>
             <a:fld id="{FAD47987-2EA8-4C63-8E6E-77EEF53A2521}" type="slidenum">
               <a:rPr lang="en-US" smtClean="0"/>
+              <a:pPr/>
               <a:t>‹#›</a:t>
             </a:fld>
             <a:endParaRPr lang="en-US"/>
@@ -463,6 +465,7 @@
           <a:p>
             <a:fld id="{F366FE5F-07E3-48BC-9DF9-A19F609260EA}" type="datetimeFigureOut">
               <a:rPr lang="en-US" smtClean="0"/>
+              <a:pPr/>
               <a:t>9/22/2011</a:t>
             </a:fld>
             <a:endParaRPr lang="en-US"/>
@@ -505,6 +508,7 @@
           <a:p>
             <a:fld id="{FAD47987-2EA8-4C63-8E6E-77EEF53A2521}" type="slidenum">
               <a:rPr lang="en-US" smtClean="0"/>
+              <a:pPr/>
               <a:t>‹#›</a:t>
             </a:fld>
             <a:endParaRPr lang="en-US"/>
@@ -641,6 +645,7 @@
           <a:p>
             <a:fld id="{F366FE5F-07E3-48BC-9DF9-A19F609260EA}" type="datetimeFigureOut">
               <a:rPr lang="en-US" smtClean="0"/>
+              <a:pPr/>
               <a:t>9/22/2011</a:t>
             </a:fld>
             <a:endParaRPr lang="en-US"/>
@@ -683,6 +688,7 @@
           <a:p>
             <a:fld id="{FAD47987-2EA8-4C63-8E6E-77EEF53A2521}" type="slidenum">
               <a:rPr lang="en-US" smtClean="0"/>
+              <a:pPr/>
               <a:t>‹#›</a:t>
             </a:fld>
             <a:endParaRPr lang="en-US"/>
@@ -809,6 +815,7 @@
           <a:p>
             <a:fld id="{F366FE5F-07E3-48BC-9DF9-A19F609260EA}" type="datetimeFigureOut">
               <a:rPr lang="en-US" smtClean="0"/>
+              <a:pPr/>
               <a:t>9/22/2011</a:t>
             </a:fld>
             <a:endParaRPr lang="en-US"/>
@@ -851,6 +858,7 @@
           <a:p>
             <a:fld id="{FAD47987-2EA8-4C63-8E6E-77EEF53A2521}" type="slidenum">
               <a:rPr lang="en-US" smtClean="0"/>
+              <a:pPr/>
               <a:t>‹#›</a:t>
             </a:fld>
             <a:endParaRPr lang="en-US"/>
@@ -1054,6 +1062,7 @@
           <a:p>
             <a:fld id="{F366FE5F-07E3-48BC-9DF9-A19F609260EA}" type="datetimeFigureOut">
               <a:rPr lang="en-US" smtClean="0"/>
+              <a:pPr/>
               <a:t>9/22/2011</a:t>
             </a:fld>
             <a:endParaRPr lang="en-US"/>
@@ -1096,6 +1105,7 @@
           <a:p>
             <a:fld id="{FAD47987-2EA8-4C63-8E6E-77EEF53A2521}" type="slidenum">
               <a:rPr lang="en-US" smtClean="0"/>
+              <a:pPr/>
               <a:t>‹#›</a:t>
             </a:fld>
             <a:endParaRPr lang="en-US"/>
@@ -1321,6 +1331,7 @@
           <a:p>
             <a:fld id="{F366FE5F-07E3-48BC-9DF9-A19F609260EA}" type="datetimeFigureOut">
               <a:rPr lang="en-US" smtClean="0"/>
+              <a:pPr/>
               <a:t>9/22/2011</a:t>
             </a:fld>
             <a:endParaRPr lang="en-US"/>
@@ -1363,6 +1374,7 @@
           <a:p>
             <a:fld id="{FAD47987-2EA8-4C63-8E6E-77EEF53A2521}" type="slidenum">
               <a:rPr lang="en-US" smtClean="0"/>
+              <a:pPr/>
               <a:t>‹#›</a:t>
             </a:fld>
             <a:endParaRPr lang="en-US"/>
@@ -1702,6 +1714,7 @@
           <a:p>
             <a:fld id="{F366FE5F-07E3-48BC-9DF9-A19F609260EA}" type="datetimeFigureOut">
               <a:rPr lang="en-US" smtClean="0"/>
+              <a:pPr/>
               <a:t>9/22/2011</a:t>
             </a:fld>
             <a:endParaRPr lang="en-US"/>
@@ -1744,6 +1757,7 @@
           <a:p>
             <a:fld id="{FAD47987-2EA8-4C63-8E6E-77EEF53A2521}" type="slidenum">
               <a:rPr lang="en-US" smtClean="0"/>
+              <a:pPr/>
               <a:t>‹#›</a:t>
             </a:fld>
             <a:endParaRPr lang="en-US"/>
@@ -1855,6 +1869,7 @@
           <a:p>
             <a:fld id="{F366FE5F-07E3-48BC-9DF9-A19F609260EA}" type="datetimeFigureOut">
               <a:rPr lang="en-US" smtClean="0"/>
+              <a:pPr/>
               <a:t>9/22/2011</a:t>
             </a:fld>
             <a:endParaRPr lang="en-US"/>
@@ -1897,6 +1912,7 @@
           <a:p>
             <a:fld id="{FAD47987-2EA8-4C63-8E6E-77EEF53A2521}" type="slidenum">
               <a:rPr lang="en-US" smtClean="0"/>
+              <a:pPr/>
               <a:t>‹#›</a:t>
             </a:fld>
             <a:endParaRPr lang="en-US"/>
@@ -1948,6 +1964,7 @@
           <a:p>
             <a:fld id="{F366FE5F-07E3-48BC-9DF9-A19F609260EA}" type="datetimeFigureOut">
               <a:rPr lang="en-US" smtClean="0"/>
+              <a:pPr/>
               <a:t>9/22/2011</a:t>
             </a:fld>
             <a:endParaRPr lang="en-US"/>
@@ -1990,6 +2007,7 @@
           <a:p>
             <a:fld id="{FAD47987-2EA8-4C63-8E6E-77EEF53A2521}" type="slidenum">
               <a:rPr lang="en-US" smtClean="0"/>
+              <a:pPr/>
               <a:t>‹#›</a:t>
             </a:fld>
             <a:endParaRPr lang="en-US"/>
@@ -2212,6 +2230,7 @@
           <a:p>
             <a:fld id="{F366FE5F-07E3-48BC-9DF9-A19F609260EA}" type="datetimeFigureOut">
               <a:rPr lang="en-US" smtClean="0"/>
+              <a:pPr/>
               <a:t>9/22/2011</a:t>
             </a:fld>
             <a:endParaRPr lang="en-US"/>
@@ -2254,6 +2273,7 @@
           <a:p>
             <a:fld id="{FAD47987-2EA8-4C63-8E6E-77EEF53A2521}" type="slidenum">
               <a:rPr lang="en-US" smtClean="0"/>
+              <a:pPr/>
               <a:t>‹#›</a:t>
             </a:fld>
             <a:endParaRPr lang="en-US"/>
@@ -2503,6 +2523,7 @@
           <a:p>
             <a:fld id="{F366FE5F-07E3-48BC-9DF9-A19F609260EA}" type="datetimeFigureOut">
               <a:rPr lang="en-US" smtClean="0"/>
+              <a:pPr/>
               <a:t>9/22/2011</a:t>
             </a:fld>
             <a:endParaRPr lang="en-US"/>
@@ -2550,6 +2571,7 @@
           <a:p>
             <a:fld id="{FAD47987-2EA8-4C63-8E6E-77EEF53A2521}" type="slidenum">
               <a:rPr lang="en-US" smtClean="0"/>
+              <a:pPr/>
               <a:t>‹#›</a:t>
             </a:fld>
             <a:endParaRPr lang="en-US"/>
@@ -3277,6 +3299,7 @@
           <a:p>
             <a:fld id="{F366FE5F-07E3-48BC-9DF9-A19F609260EA}" type="datetimeFigureOut">
               <a:rPr lang="en-US" smtClean="0"/>
+              <a:pPr/>
               <a:t>9/22/2011</a:t>
             </a:fld>
             <a:endParaRPr lang="en-US"/>
@@ -3355,6 +3378,7 @@
           <a:p>
             <a:fld id="{FAD47987-2EA8-4C63-8E6E-77EEF53A2521}" type="slidenum">
               <a:rPr lang="en-US" smtClean="0"/>
+              <a:pPr/>
               <a:t>‹#›</a:t>
             </a:fld>
             <a:endParaRPr lang="en-US"/>
@@ -3992,11 +4016,7 @@
             </a:r>
             <a:r>
               <a:rPr lang="en-US" b="1" dirty="0" smtClean="0"/>
-              <a:t> </a:t>
-            </a:r>
-            <a:r>
-              <a:rPr lang="en-US" b="1" dirty="0" smtClean="0"/>
-              <a:t>Online</a:t>
+              <a:t> Online</a:t>
             </a:r>
           </a:p>
           <a:p>
@@ -4089,12 +4109,8 @@
           <a:lstStyle/>
           <a:p>
             <a:r>
-              <a:rPr lang="id-ID" sz="3600" b="1" dirty="0" smtClean="0"/>
-              <a:t>TEAM </a:t>
-            </a:r>
-            <a:r>
-              <a:rPr lang="id-ID" sz="3600" b="1" dirty="0" smtClean="0"/>
-              <a:t>PENGEMBANG</a:t>
+              <a:rPr lang="en-US" sz="3600" b="1" smtClean="0"/>
+              <a:t>ORGANISASI PROYEK</a:t>
             </a:r>
             <a:endParaRPr lang="en-US" sz="3600" dirty="0"/>
           </a:p>
@@ -4226,7 +4242,7 @@
       </p:grpSpPr>
       <p:sp>
         <p:nvSpPr>
-          <p:cNvPr id="2" name="Title 1"/>
+          <p:cNvPr id="4" name="Title 3"/>
           <p:cNvSpPr>
             <a:spLocks noGrp="1"/>
           </p:cNvSpPr>
@@ -4234,12 +4250,7 @@
             <p:ph type="title"/>
           </p:nvPr>
         </p:nvSpPr>
-        <p:spPr>
-          <a:xfrm>
-            <a:off x="381000" y="381000"/>
-            <a:ext cx="8229600" cy="1143000"/>
-          </a:xfrm>
-        </p:spPr>
+        <p:spPr/>
         <p:txBody>
           <a:bodyPr>
             <a:noAutofit/>
@@ -4248,13 +4259,9 @@
           <a:p>
             <a:r>
               <a:rPr lang="id-ID" sz="3200" b="1" dirty="0" smtClean="0"/>
-              <a:t>TAHAPAN PELAKSANAAN DAN JADWAL </a:t>
-            </a:r>
-            <a:r>
-              <a:rPr lang="id-ID" sz="3200" b="1" dirty="0" smtClean="0"/>
-              <a:t>PENGEMBANGAN</a:t>
-            </a:r>
-            <a:endParaRPr lang="en-US" sz="3200" dirty="0"/>
+              <a:t>TAHAPAN PELAKSANAAN DAN JADWAL PENGEMBANGAN</a:t>
+            </a:r>
+            <a:endParaRPr lang="en-US" sz="2800" dirty="0"/>
           </a:p>
         </p:txBody>
       </p:sp>
@@ -4265,128 +4272,83 @@
             <a:spLocks noGrp="1"/>
           </p:cNvSpPr>
           <p:nvPr>
-            <p:ph idx="1"/>
+            <p:ph idx="4294967295"/>
           </p:nvPr>
         </p:nvSpPr>
         <p:spPr>
           <a:xfrm>
-            <a:off x="457200" y="1524000"/>
-            <a:ext cx="8229600" cy="4800600"/>
+            <a:off x="0" y="1935163"/>
+            <a:ext cx="8229600" cy="4389437"/>
           </a:xfrm>
         </p:spPr>
         <p:txBody>
-          <a:bodyPr>
-            <a:normAutofit fontScale="92500"/>
-          </a:bodyPr>
+          <a:bodyPr/>
           <a:lstStyle/>
           <a:p>
-            <a:pPr>
+            <a:pPr lvl="0">
               <a:buNone/>
             </a:pPr>
             <a:r>
-              <a:rPr lang="en-US" dirty="0" smtClean="0"/>
-              <a:t>	</a:t>
-            </a:r>
-            <a:r>
-              <a:rPr lang="id-ID" dirty="0" smtClean="0"/>
-              <a:t>Alokasi </a:t>
-            </a:r>
-            <a:r>
-              <a:rPr lang="id-ID" dirty="0" smtClean="0"/>
-              <a:t>waktu proyek adalah 6 (</a:t>
-            </a:r>
-            <a:r>
-              <a:rPr lang="id-ID" dirty="0" smtClean="0"/>
-              <a:t>enam)</a:t>
-            </a:r>
-            <a:r>
-              <a:rPr lang="en-US" dirty="0" smtClean="0"/>
-              <a:t> </a:t>
-            </a:r>
-            <a:r>
-              <a:rPr lang="en-US" dirty="0" err="1" smtClean="0"/>
+              <a:rPr lang="en-US" sz="2800" dirty="0" smtClean="0"/>
+              <a:t>	A</a:t>
+            </a:r>
+            <a:r>
+              <a:rPr lang="id-ID" sz="2800" dirty="0" smtClean="0"/>
+              <a:t>waktu proyek adalah 6 (enam)</a:t>
+            </a:r>
+            <a:r>
+              <a:rPr lang="en-US" sz="2800" dirty="0" smtClean="0"/>
+              <a:t> </a:t>
+            </a:r>
+            <a:r>
+              <a:rPr lang="en-US" sz="2800" dirty="0" err="1" smtClean="0"/>
               <a:t>dengan</a:t>
             </a:r>
             <a:r>
-              <a:rPr lang="en-US" dirty="0" smtClean="0"/>
+              <a:rPr lang="en-US" sz="2800" dirty="0" smtClean="0"/>
               <a:t> p</a:t>
             </a:r>
             <a:r>
-              <a:rPr lang="id-ID" dirty="0" smtClean="0"/>
-              <a:t>elaksanaan proyek </a:t>
-            </a:r>
-            <a:r>
-              <a:rPr lang="id-ID" dirty="0" smtClean="0"/>
-              <a:t>dibagi dalam 3 </a:t>
-            </a:r>
-            <a:r>
-              <a:rPr lang="id-ID" dirty="0" smtClean="0"/>
-              <a:t>fase</a:t>
-            </a:r>
-            <a:r>
-              <a:rPr lang="en-US" dirty="0" smtClean="0"/>
+              <a:rPr lang="id-ID" sz="2800" dirty="0" smtClean="0"/>
+              <a:t>elaksanaan proyek dibagi dalam 3 fase</a:t>
+            </a:r>
+            <a:r>
+              <a:rPr lang="en-US" sz="2800" dirty="0" smtClean="0"/>
               <a:t>:</a:t>
             </a:r>
+            <a:endParaRPr lang="en-US" sz="2800" b="1" dirty="0" smtClean="0"/>
           </a:p>
           <a:p>
             <a:pPr lvl="0"/>
             <a:r>
-              <a:rPr lang="en-US" sz="2800" b="1" dirty="0" err="1" smtClean="0"/>
-              <a:t>Fase</a:t>
-            </a:r>
-            <a:r>
-              <a:rPr lang="en-US" sz="2800" b="1" dirty="0" smtClean="0"/>
-              <a:t> I</a:t>
+              <a:rPr lang="id-ID" sz="2800" b="1" dirty="0" smtClean="0"/>
+              <a:t>Fase I:   </a:t>
             </a:r>
             <a:endParaRPr lang="en-US" sz="1800" dirty="0" smtClean="0"/>
           </a:p>
           <a:p>
-            <a:pPr lvl="1"/>
-            <a:r>
-              <a:rPr lang="id-ID" dirty="0" smtClean="0"/>
-              <a:t>Desain arsitektur aplikasi </a:t>
-            </a:r>
-            <a:endParaRPr lang="en-US" sz="1600" dirty="0" smtClean="0"/>
-          </a:p>
-          <a:p>
-            <a:pPr lvl="1"/>
-            <a:r>
-              <a:rPr lang="id-ID" dirty="0" smtClean="0"/>
-              <a:t>Survai ke lapangan/ diskusi dengan tim pendamping untuk menyamakan semesta pemikiran tim pengembang, tim pendamping, dan keinginan klien sebagai pengguna akhir mengenai aplikasi yang akan dibangun.</a:t>
-            </a:r>
-            <a:endParaRPr lang="en-US" sz="1600" dirty="0" smtClean="0"/>
-          </a:p>
-          <a:p>
-            <a:pPr lvl="1"/>
-            <a:r>
-              <a:rPr lang="id-ID" dirty="0" smtClean="0"/>
-              <a:t>Desain user interface aplikasi </a:t>
-            </a:r>
-            <a:endParaRPr lang="en-US" sz="1600" dirty="0" smtClean="0"/>
-          </a:p>
-          <a:p>
-            <a:pPr lvl="1"/>
-            <a:r>
-              <a:rPr lang="id-ID" dirty="0" smtClean="0"/>
-              <a:t>Desain database</a:t>
-            </a:r>
-            <a:endParaRPr lang="en-US" sz="1600" dirty="0" smtClean="0"/>
-          </a:p>
-          <a:p>
-            <a:pPr lvl="1"/>
-            <a:r>
-              <a:rPr lang="id-ID" dirty="0" smtClean="0"/>
-              <a:t>Desain modul yang akan digunakan dan flow process aplikasi</a:t>
-            </a:r>
-            <a:endParaRPr lang="en-US" sz="1600" dirty="0" smtClean="0"/>
-          </a:p>
-          <a:p>
-            <a:pPr lvl="1"/>
-            <a:r>
-              <a:rPr lang="id-ID" dirty="0" smtClean="0"/>
-              <a:t>Inventarisasi dan eksplorasi komponen pendukung</a:t>
-            </a:r>
-            <a:endParaRPr lang="en-US" sz="1600" dirty="0" smtClean="0"/>
+            <a:pPr lvl="2"/>
+            <a:r>
+              <a:rPr lang="id-ID" sz="2400" dirty="0" smtClean="0"/>
+              <a:t>Desain arsitektur jaringan komputer (LAN)</a:t>
+            </a:r>
+            <a:endParaRPr lang="en-US" sz="2400" dirty="0" smtClean="0"/>
+          </a:p>
+          <a:p>
+            <a:pPr lvl="2"/>
+            <a:r>
+              <a:rPr lang="id-ID" sz="2400" dirty="0" smtClean="0"/>
+              <a:t>Pemasangan jaringan komputer dan pemasangan komputer</a:t>
+            </a:r>
+            <a:endParaRPr lang="en-US" sz="2400" dirty="0" smtClean="0"/>
+          </a:p>
+          <a:p>
+            <a:pPr lvl="2"/>
+            <a:r>
+              <a:rPr lang="id-ID" sz="2400" dirty="0" smtClean="0"/>
+              <a:t>Pelatihan komputer bagi administrator sistem jaringan dan operator</a:t>
+            </a:r>
+            <a:endParaRPr lang="en-US" sz="2400" dirty="0" smtClean="0"/>
           </a:p>
           <a:p>
             <a:endParaRPr lang="en-US" dirty="0"/>
@@ -4438,33 +4400,18 @@
             <p:ph type="title"/>
           </p:nvPr>
         </p:nvSpPr>
-        <p:spPr/>
+        <p:spPr>
+          <a:xfrm>
+            <a:off x="381000" y="381000"/>
+            <a:ext cx="8229600" cy="1143000"/>
+          </a:xfrm>
+        </p:spPr>
         <p:txBody>
           <a:bodyPr>
-            <a:normAutofit/>
+            <a:noAutofit/>
           </a:bodyPr>
           <a:lstStyle/>
           <a:p>
-            <a:r>
-              <a:rPr lang="id-ID" sz="3200" b="1" dirty="0" smtClean="0"/>
-              <a:t>TAHAPAN PELAKSANAAN DAN JADWAL </a:t>
-            </a:r>
-            <a:r>
-              <a:rPr lang="id-ID" sz="3200" b="1" dirty="0" smtClean="0"/>
-              <a:t>PENGEMBANGAN</a:t>
-            </a:r>
-            <a:r>
-              <a:rPr lang="en-US" sz="3200" b="1" dirty="0" smtClean="0"/>
-              <a:t> (</a:t>
-            </a:r>
-            <a:r>
-              <a:rPr lang="en-US" sz="3200" b="1" dirty="0" err="1" smtClean="0"/>
-              <a:t>Lanjutan</a:t>
-            </a:r>
-            <a:r>
-              <a:rPr lang="en-US" sz="3200" b="1" dirty="0" smtClean="0"/>
-              <a:t>)</a:t>
-            </a:r>
             <a:endParaRPr lang="en-US" sz="3200" dirty="0"/>
           </a:p>
         </p:txBody>
@@ -4479,68 +4426,87 @@
             <p:ph idx="1"/>
           </p:nvPr>
         </p:nvSpPr>
-        <p:spPr/>
+        <p:spPr>
+          <a:xfrm>
+            <a:off x="457200" y="1524000"/>
+            <a:ext cx="8229600" cy="4800600"/>
+          </a:xfrm>
+        </p:spPr>
         <p:txBody>
           <a:bodyPr>
-            <a:normAutofit/>
+            <a:normAutofit fontScale="92500"/>
           </a:bodyPr>
           <a:lstStyle/>
-          <a:p>
-            <a:pPr lvl="1"/>
-            <a:r>
-              <a:rPr lang="id-ID" dirty="0" smtClean="0"/>
-              <a:t>Inventarisasi </a:t>
-            </a:r>
-            <a:r>
-              <a:rPr lang="id-ID" dirty="0" smtClean="0"/>
-              <a:t>dan eksplorasi komponen pendukung</a:t>
-            </a:r>
-            <a:endParaRPr lang="en-US" sz="1600" dirty="0" smtClean="0"/>
-          </a:p>
-          <a:p>
-            <a:pPr lvl="1"/>
-            <a:r>
-              <a:rPr lang="id-ID" dirty="0" smtClean="0"/>
-              <a:t>Pembuatan prototipe/ presentasi aplikasi</a:t>
-            </a:r>
-            <a:endParaRPr lang="en-US" sz="1600" dirty="0" smtClean="0"/>
-          </a:p>
-          <a:p>
-            <a:pPr lvl="1"/>
-            <a:r>
-              <a:rPr lang="id-ID" dirty="0" smtClean="0"/>
-              <a:t>Koding user interface</a:t>
-            </a:r>
-            <a:endParaRPr lang="en-US" sz="1600" dirty="0" smtClean="0"/>
-          </a:p>
-          <a:p>
-            <a:pPr lvl="1"/>
-            <a:r>
-              <a:rPr lang="id-ID" dirty="0" smtClean="0"/>
-              <a:t>Implementasi database</a:t>
-            </a:r>
-            <a:endParaRPr lang="en-US" sz="1600" dirty="0" smtClean="0"/>
-          </a:p>
-          <a:p>
-            <a:pPr lvl="1"/>
-            <a:r>
-              <a:rPr lang="id-ID" dirty="0" smtClean="0"/>
-              <a:t>Koding modul aplikasi</a:t>
-            </a:r>
-            <a:endParaRPr lang="en-US" sz="1600" dirty="0" smtClean="0"/>
-          </a:p>
-          <a:p>
-            <a:pPr lvl="1"/>
-            <a:r>
-              <a:rPr lang="id-ID" dirty="0" smtClean="0"/>
-              <a:t>Testing prototipe aplikasi</a:t>
-            </a:r>
-            <a:endParaRPr lang="en-US" sz="1600" dirty="0" smtClean="0"/>
-          </a:p>
           <a:p>
             <a:pPr>
               <a:buNone/>
             </a:pPr>
+            <a:r>
+              <a:rPr lang="en-US" dirty="0" smtClean="0"/>
+              <a:t>	</a:t>
+            </a:r>
+          </a:p>
+          <a:p>
+            <a:pPr lvl="0"/>
+            <a:r>
+              <a:rPr lang="en-US" sz="2800" b="1" dirty="0" err="1" smtClean="0"/>
+              <a:t>Fase</a:t>
+            </a:r>
+            <a:r>
+              <a:rPr lang="en-US" sz="2800" b="1" dirty="0" smtClean="0"/>
+              <a:t> II</a:t>
+            </a:r>
+            <a:endParaRPr lang="en-US" sz="1800" dirty="0" smtClean="0"/>
+          </a:p>
+          <a:p>
+            <a:pPr lvl="1"/>
+            <a:r>
+              <a:rPr lang="id-ID" dirty="0" smtClean="0"/>
+              <a:t>Desain arsitektur aplikasi </a:t>
+            </a:r>
+            <a:endParaRPr lang="en-US" sz="1600" dirty="0" smtClean="0"/>
+          </a:p>
+          <a:p>
+            <a:pPr lvl="1"/>
+            <a:r>
+              <a:rPr lang="id-ID" dirty="0" smtClean="0"/>
+              <a:t>Survai ke lapangan/ diskusi dengan tim pendamping untuk menyamakan semesta pemikiran tim pengembang, tim pendamping, dan keinginan klien sebagai pengguna akhir mengenai aplikasi yang akan dibangun.</a:t>
+            </a:r>
+            <a:endParaRPr lang="en-US" sz="1600" dirty="0" smtClean="0"/>
+          </a:p>
+          <a:p>
+            <a:pPr lvl="1"/>
+            <a:r>
+              <a:rPr lang="id-ID" dirty="0" smtClean="0"/>
+              <a:t>Desain user interface aplikasi </a:t>
+            </a:r>
+            <a:endParaRPr lang="en-US" sz="1600" dirty="0" smtClean="0"/>
+          </a:p>
+          <a:p>
+            <a:pPr lvl="1"/>
+            <a:r>
+              <a:rPr lang="id-ID" dirty="0" smtClean="0"/>
+              <a:t>Desain database</a:t>
+            </a:r>
+            <a:endParaRPr lang="en-US" sz="1600" dirty="0" smtClean="0"/>
+          </a:p>
+          <a:p>
+            <a:pPr lvl="1"/>
+            <a:r>
+              <a:rPr lang="id-ID" dirty="0" smtClean="0"/>
+              <a:t>Desain modul yang akan digunakan dan flow process aplikasi</a:t>
+            </a:r>
+            <a:endParaRPr lang="en-US" sz="1600" dirty="0" smtClean="0"/>
+          </a:p>
+          <a:p>
+            <a:pPr lvl="1"/>
+            <a:r>
+              <a:rPr lang="id-ID" dirty="0" smtClean="0"/>
+              <a:t>Inventarisasi dan eksplorasi komponen pendukung</a:t>
+            </a:r>
+            <a:endParaRPr lang="en-US" sz="1600" dirty="0" smtClean="0"/>
+          </a:p>
+          <a:p>
             <a:endParaRPr lang="en-US" dirty="0"/>
           </a:p>
         </p:txBody>
@@ -4553,6 +4519,13 @@
   <p:transition>
     <p:push/>
   </p:transition>
+  <p:timing>
+    <p:tnLst>
+      <p:par>
+        <p:cTn id="1" dur="indefinite" restart="never" nodeType="tmRoot"/>
+      </p:par>
+    </p:tnLst>
+  </p:timing>
 </p:sld>
 </file>
 
@@ -4575,6 +4548,27 @@
       </p:grpSpPr>
       <p:sp>
         <p:nvSpPr>
+          <p:cNvPr id="2" name="Title 1"/>
+          <p:cNvSpPr>
+            <a:spLocks noGrp="1"/>
+          </p:cNvSpPr>
+          <p:nvPr>
+            <p:ph type="title"/>
+          </p:nvPr>
+        </p:nvSpPr>
+        <p:spPr/>
+        <p:txBody>
+          <a:bodyPr>
+            <a:normAutofit/>
+          </a:bodyPr>
+          <a:lstStyle/>
+          <a:p>
+            <a:endParaRPr lang="en-US" sz="3200" dirty="0"/>
+          </a:p>
+        </p:txBody>
+      </p:sp>
+      <p:sp>
+        <p:nvSpPr>
           <p:cNvPr id="3" name="Content Placeholder 2"/>
           <p:cNvSpPr>
             <a:spLocks noGrp="1"/>
@@ -4585,21 +4579,15 @@
         </p:nvSpPr>
         <p:spPr/>
         <p:txBody>
-          <a:bodyPr/>
+          <a:bodyPr>
+            <a:normAutofit/>
+          </a:bodyPr>
           <a:lstStyle/>
           <a:p>
-            <a:pPr lvl="0"/>
-            <a:r>
-              <a:rPr lang="id-ID" sz="2800" b="1" dirty="0" smtClean="0"/>
-              <a:t>Fase II:   </a:t>
-            </a:r>
-            <a:endParaRPr lang="en-US" sz="1800" dirty="0" smtClean="0"/>
-          </a:p>
-          <a:p>
             <a:pPr lvl="1"/>
             <a:r>
               <a:rPr lang="id-ID" dirty="0" smtClean="0"/>
-              <a:t>Testing dan bug fixing</a:t>
+              <a:t>Inventarisasi dan eksplorasi komponen pendukung</a:t>
             </a:r>
             <a:endParaRPr lang="en-US" sz="1600" dirty="0" smtClean="0"/>
           </a:p>
@@ -4607,7 +4595,7 @@
             <a:pPr lvl="1"/>
             <a:r>
               <a:rPr lang="id-ID" dirty="0" smtClean="0"/>
-              <a:t>Transfer knowledge sistem dan aplikasi</a:t>
+              <a:t>Pembuatan prototipe/ presentasi aplikasi</a:t>
             </a:r>
             <a:endParaRPr lang="en-US" sz="1600" dirty="0" smtClean="0"/>
           </a:p>
@@ -4615,7 +4603,7 @@
             <a:pPr lvl="1"/>
             <a:r>
               <a:rPr lang="id-ID" dirty="0" smtClean="0"/>
-              <a:t>Penyusunan dokumentasi aplikasi</a:t>
+              <a:t>Koding user interface</a:t>
             </a:r>
             <a:endParaRPr lang="en-US" sz="1600" dirty="0" smtClean="0"/>
           </a:p>
@@ -4623,7 +4611,7 @@
             <a:pPr lvl="1"/>
             <a:r>
               <a:rPr lang="id-ID" dirty="0" smtClean="0"/>
-              <a:t>Pembuatan Help System</a:t>
+              <a:t>Implementasi database</a:t>
             </a:r>
             <a:endParaRPr lang="en-US" sz="1600" dirty="0" smtClean="0"/>
           </a:p>
@@ -4631,15 +4619,22 @@
             <a:pPr lvl="1"/>
             <a:r>
               <a:rPr lang="id-ID" dirty="0" smtClean="0"/>
-              <a:t>Implementasi Aplikas</a:t>
-            </a:r>
-            <a:r>
-              <a:rPr lang="en-US" dirty="0" err="1" smtClean="0"/>
-              <a:t>i</a:t>
+              <a:t>Koding modul aplikasi</a:t>
             </a:r>
             <a:endParaRPr lang="en-US" sz="1600" dirty="0" smtClean="0"/>
           </a:p>
           <a:p>
+            <a:pPr lvl="1"/>
+            <a:r>
+              <a:rPr lang="id-ID" dirty="0" smtClean="0"/>
+              <a:t>Testing prototipe aplikasi</a:t>
+            </a:r>
+            <a:endParaRPr lang="en-US" sz="1600" dirty="0" smtClean="0"/>
+          </a:p>
+          <a:p>
+            <a:pPr>
+              <a:buNone/>
+            </a:pPr>
             <a:endParaRPr lang="en-US" dirty="0"/>
           </a:p>
         </p:txBody>
@@ -4652,6 +4647,13 @@
   <p:transition>
     <p:push/>
   </p:transition>
+  <p:timing>
+    <p:tnLst>
+      <p:par>
+        <p:cTn id="1" dur="indefinite" restart="never" nodeType="tmRoot"/>
+      </p:par>
+    </p:tnLst>
+  </p:timing>
 </p:sld>
 </file>
 
@@ -4690,11 +4692,7 @@
             <a:pPr lvl="0"/>
             <a:r>
               <a:rPr lang="id-ID" sz="2800" b="1" dirty="0" smtClean="0"/>
-              <a:t>Fase </a:t>
-            </a:r>
-            <a:r>
-              <a:rPr lang="id-ID" sz="2800" b="1" dirty="0" smtClean="0"/>
-              <a:t>II</a:t>
+              <a:t>Fase II</a:t>
             </a:r>
             <a:r>
               <a:rPr lang="en-US" sz="2800" b="1" dirty="0" smtClean="0"/>
@@ -4718,11 +4716,7 @@
             <a:pPr lvl="1"/>
             <a:r>
               <a:rPr lang="id-ID" dirty="0" smtClean="0"/>
-              <a:t>Transfer </a:t>
-            </a:r>
-            <a:r>
-              <a:rPr lang="id-ID" dirty="0" smtClean="0"/>
-              <a:t>knowledge sistem dan aplikasi</a:t>
+              <a:t>Transfer knowledge sistem dan aplikasi</a:t>
             </a:r>
             <a:endParaRPr lang="en-US" sz="1600" dirty="0" smtClean="0"/>
           </a:p>
@@ -4767,6 +4761,13 @@
   <p:transition>
     <p:push/>
   </p:transition>
+  <p:timing>
+    <p:tnLst>
+      <p:par>
+        <p:cTn id="1" dur="indefinite" restart="never" nodeType="tmRoot"/>
+      </p:par>
+    </p:tnLst>
+  </p:timing>
 </p:sld>
 </file>
 
@@ -4846,11 +4847,7 @@
           <a:p>
             <a:r>
               <a:rPr lang="id-ID" sz="3200" b="1" dirty="0" smtClean="0"/>
-              <a:t>PENAWARAN </a:t>
-            </a:r>
-            <a:r>
-              <a:rPr lang="id-ID" sz="3200" b="1" dirty="0" smtClean="0"/>
-              <a:t>HARGA</a:t>
+              <a:t>PENAWARAN HARGA</a:t>
             </a:r>
             <a:endParaRPr lang="en-US" sz="3200" dirty="0"/>
           </a:p>
@@ -4864,6 +4861,13 @@
   <p:transition>
     <p:push/>
   </p:transition>
+  <p:timing>
+    <p:tnLst>
+      <p:par>
+        <p:cTn id="1" dur="indefinite" restart="never" nodeType="tmRoot"/>
+      </p:par>
+    </p:tnLst>
+  </p:timing>
 </p:sld>
 </file>
 
@@ -5175,6 +5179,13 @@
   <p:transition>
     <p:push/>
   </p:transition>
+  <p:timing>
+    <p:tnLst>
+      <p:par>
+        <p:cTn id="1" dur="indefinite" restart="never" nodeType="tmRoot"/>
+      </p:par>
+    </p:tnLst>
+  </p:timing>
 </p:sld>
 </file>
 
@@ -5254,11 +5265,7 @@
             </a:r>
             <a:r>
               <a:rPr lang="id-ID" dirty="0" smtClean="0"/>
-              <a:t>segala </a:t>
-            </a:r>
-            <a:r>
-              <a:rPr lang="id-ID" dirty="0" smtClean="0"/>
-              <a:t>piranti </a:t>
+              <a:t>segala piranti </a:t>
             </a:r>
             <a:r>
               <a:rPr lang="en-US" dirty="0" err="1" smtClean="0"/>
@@ -5274,15 +5281,7 @@
             </a:r>
             <a:r>
               <a:rPr lang="en-US" dirty="0" smtClean="0"/>
-              <a:t> </a:t>
-            </a:r>
-            <a:r>
-              <a:rPr lang="en-US" dirty="0" smtClean="0"/>
-              <a:t>hardware</a:t>
-            </a:r>
-            <a:r>
-              <a:rPr lang="en-US" dirty="0" smtClean="0"/>
-              <a:t> yang </a:t>
+              <a:t> hardware yang </a:t>
             </a:r>
             <a:r>
               <a:rPr lang="en-US" dirty="0" err="1" smtClean="0"/>
@@ -5855,7 +5854,6 @@
               <a:rPr lang="en-US" dirty="0" smtClean="0"/>
               <a:t> </a:t>
             </a:r>
-            <a:endParaRPr lang="en-US" dirty="0" smtClean="0"/>
           </a:p>
           <a:p>
             <a:r>
@@ -6279,11 +6277,7 @@
             </a:r>
             <a:r>
               <a:rPr lang="en-US" dirty="0" smtClean="0"/>
-              <a:t> online</a:t>
-            </a:r>
-            <a:r>
-              <a:rPr lang="en-US" dirty="0" smtClean="0"/>
-              <a:t>.</a:t>
+              <a:t> online.</a:t>
             </a:r>
           </a:p>
           <a:p>
@@ -6918,11 +6912,7 @@
           <a:p>
             <a:r>
               <a:rPr lang="en-US" sz="2800" b="1" dirty="0" smtClean="0"/>
-              <a:t>PANDANGAN UMUM PEMBANGUNAN SISTEM PENGADAAN BARANG DAN JASA SECARA ONLINE (E-Procurement</a:t>
-            </a:r>
-            <a:r>
-              <a:rPr lang="en-US" sz="2800" b="1" dirty="0" smtClean="0"/>
-              <a:t>)</a:t>
+              <a:t>PANDANGAN UMUM PEMBANGUNAN SISTEM PENGADAAN BARANG DAN JASA SECARA ONLINE (E-Procurement)</a:t>
             </a:r>
             <a:endParaRPr lang="en-US" sz="2800" dirty="0"/>
           </a:p>
@@ -6950,23 +6940,15 @@
           <a:p>
             <a:r>
               <a:rPr lang="id-ID" dirty="0" smtClean="0"/>
-              <a:t>Pengembangan </a:t>
+              <a:t>Pengembangan sistem</a:t>
+            </a:r>
+            <a:r>
+              <a:rPr lang="en-US" dirty="0" smtClean="0"/>
+              <a:t> m</a:t>
             </a:r>
             <a:r>
               <a:rPr lang="id-ID" dirty="0" smtClean="0"/>
-              <a:t>sistem</a:t>
-            </a:r>
-            <a:r>
-              <a:rPr lang="en-US" dirty="0" smtClean="0"/>
-              <a:t> m</a:t>
-            </a:r>
-            <a:r>
-              <a:rPr lang="id-ID" dirty="0" smtClean="0"/>
-              <a:t>encakup </a:t>
-            </a:r>
-            <a:r>
-              <a:rPr lang="id-ID" dirty="0" smtClean="0"/>
-              <a:t>dua hal pokok yaitu</a:t>
+              <a:t>encakup dua hal pokok yaitu</a:t>
             </a:r>
             <a:r>
               <a:rPr lang="en-US" dirty="0" smtClean="0"/>
@@ -7591,11 +7573,7 @@
           <a:p>
             <a:r>
               <a:rPr lang="id-ID" sz="3600" b="1" dirty="0" smtClean="0"/>
-              <a:t>SPESIFIKASI </a:t>
-            </a:r>
-            <a:r>
-              <a:rPr lang="id-ID" sz="3600" b="1" dirty="0" smtClean="0"/>
-              <a:t>TEKNIS</a:t>
+              <a:t>SPESIFIKASI TEKNIS</a:t>
             </a:r>
             <a:endParaRPr lang="en-US" sz="3600" dirty="0"/>
           </a:p>
@@ -7632,11 +7610,7 @@
             </a:r>
             <a:r>
               <a:rPr lang="id-ID" dirty="0" smtClean="0"/>
-              <a:t>Sistem </a:t>
-            </a:r>
-            <a:r>
-              <a:rPr lang="id-ID" dirty="0" smtClean="0"/>
-              <a:t>operasi			: </a:t>
+              <a:t>Sistem operasi			: </a:t>
             </a:r>
             <a:r>
               <a:rPr lang="en-US" dirty="0" smtClean="0"/>
@@ -7653,11 +7627,7 @@
             </a:r>
             <a:r>
               <a:rPr lang="id-ID" dirty="0" smtClean="0"/>
-              <a:t>Bahasa </a:t>
-            </a:r>
-            <a:r>
-              <a:rPr lang="id-ID" dirty="0" smtClean="0"/>
-              <a:t>pemrograman		:</a:t>
+              <a:t>Bahasa pemrograman		:</a:t>
             </a:r>
             <a:r>
               <a:rPr lang="en-US" dirty="0" smtClean="0"/>
@@ -7674,11 +7644,7 @@
             </a:r>
             <a:r>
               <a:rPr lang="id-ID" dirty="0" smtClean="0"/>
-              <a:t>Database </a:t>
-            </a:r>
-            <a:r>
-              <a:rPr lang="id-ID" dirty="0" smtClean="0"/>
-              <a:t>Manajemen System	: </a:t>
+              <a:t>Database Manajemen System	: </a:t>
             </a:r>
             <a:r>
               <a:rPr lang="en-US" dirty="0" err="1" smtClean="0"/>
@@ -7707,11 +7673,7 @@
             </a:r>
             <a:r>
               <a:rPr lang="id-ID" dirty="0" smtClean="0"/>
-              <a:t>Help </a:t>
-            </a:r>
-            <a:r>
-              <a:rPr lang="id-ID" dirty="0" smtClean="0"/>
-              <a:t>System		: </a:t>
+              <a:t>Help System		: </a:t>
             </a:r>
             <a:r>
               <a:rPr lang="en-US" dirty="0" smtClean="0"/>
@@ -7729,11 +7691,7 @@
             </a:r>
             <a:r>
               <a:rPr lang="id-ID" dirty="0" smtClean="0"/>
-              <a:t>Presentasi</a:t>
-            </a:r>
-            <a:r>
-              <a:rPr lang="id-ID" dirty="0" smtClean="0"/>
-              <a:t>		: </a:t>
+              <a:t>Presentasi		: </a:t>
             </a:r>
             <a:r>
               <a:rPr lang="en-US" dirty="0" smtClean="0"/>
@@ -7757,6 +7715,13 @@
   <p:transition>
     <p:push/>
   </p:transition>
+  <p:timing>
+    <p:tnLst>
+      <p:par>
+        <p:cTn id="1" dur="indefinite" restart="never" nodeType="tmRoot"/>
+      </p:par>
+    </p:tnLst>
+  </p:timing>
 </p:sld>
 </file>
 
@@ -7765,7 +7730,7 @@
   <a:themeElements>
     <a:clrScheme name="Flow">
       <a:dk1>
-        <a:sysClr val="windowText" lastClr="000000"/>
+        <a:sysClr val="windowText" lastClr="444444"/>
       </a:dk1>
       <a:lt1>
         <a:sysClr val="window" lastClr="FFFFFF"/>
